--- a/Projeto 1/Entrega02.pptx
+++ b/Projeto 1/Entrega02.pptx
@@ -12,9 +12,6 @@
     <p:sldId id="263" r:id="rId6"/>
     <p:sldId id="272" r:id="rId7"/>
     <p:sldId id="273" r:id="rId8"/>
-    <p:sldId id="264" r:id="rId9"/>
-    <p:sldId id="266" r:id="rId10"/>
-    <p:sldId id="267" r:id="rId11"/>
   </p:sldIdLst>
   <p:sldSz cx="12192000" cy="6858000"/>
   <p:notesSz cx="6858000" cy="9144000"/>
@@ -256,7 +253,7 @@
           <a:p>
             <a:fld id="{DDD670B3-E2EA-4637-9A35-A3F69C814A4D}" type="datetimeFigureOut">
               <a:rPr lang="pt-BR" smtClean="0"/>
-              <a:t>28/08/2017</a:t>
+              <a:t>13/09/2017</a:t>
             </a:fld>
             <a:endParaRPr lang="pt-BR"/>
           </a:p>
@@ -470,7 +467,7 @@
           <a:p>
             <a:fld id="{DDD670B3-E2EA-4637-9A35-A3F69C814A4D}" type="datetimeFigureOut">
               <a:rPr lang="pt-BR" smtClean="0"/>
-              <a:t>28/08/2017</a:t>
+              <a:t>13/09/2017</a:t>
             </a:fld>
             <a:endParaRPr lang="pt-BR"/>
           </a:p>
@@ -694,7 +691,7 @@
           <a:p>
             <a:fld id="{DDD670B3-E2EA-4637-9A35-A3F69C814A4D}" type="datetimeFigureOut">
               <a:rPr lang="pt-BR" smtClean="0"/>
-              <a:t>28/08/2017</a:t>
+              <a:t>13/09/2017</a:t>
             </a:fld>
             <a:endParaRPr lang="pt-BR"/>
           </a:p>
@@ -908,7 +905,7 @@
           <a:p>
             <a:fld id="{DDD670B3-E2EA-4637-9A35-A3F69C814A4D}" type="datetimeFigureOut">
               <a:rPr lang="pt-BR" smtClean="0"/>
-              <a:t>28/08/2017</a:t>
+              <a:t>13/09/2017</a:t>
             </a:fld>
             <a:endParaRPr lang="pt-BR"/>
           </a:p>
@@ -1198,7 +1195,7 @@
           <a:p>
             <a:fld id="{DDD670B3-E2EA-4637-9A35-A3F69C814A4D}" type="datetimeFigureOut">
               <a:rPr lang="pt-BR" smtClean="0"/>
-              <a:t>28/08/2017</a:t>
+              <a:t>13/09/2017</a:t>
             </a:fld>
             <a:endParaRPr lang="pt-BR"/>
           </a:p>
@@ -1474,7 +1471,7 @@
           <a:p>
             <a:fld id="{DDD670B3-E2EA-4637-9A35-A3F69C814A4D}" type="datetimeFigureOut">
               <a:rPr lang="pt-BR" smtClean="0"/>
-              <a:t>28/08/2017</a:t>
+              <a:t>13/09/2017</a:t>
             </a:fld>
             <a:endParaRPr lang="pt-BR"/>
           </a:p>
@@ -1885,7 +1882,7 @@
           <a:p>
             <a:fld id="{DDD670B3-E2EA-4637-9A35-A3F69C814A4D}" type="datetimeFigureOut">
               <a:rPr lang="pt-BR" smtClean="0"/>
-              <a:t>28/08/2017</a:t>
+              <a:t>13/09/2017</a:t>
             </a:fld>
             <a:endParaRPr lang="pt-BR"/>
           </a:p>
@@ -2047,7 +2044,7 @@
           <a:p>
             <a:fld id="{DDD670B3-E2EA-4637-9A35-A3F69C814A4D}" type="datetimeFigureOut">
               <a:rPr lang="pt-BR" smtClean="0"/>
-              <a:t>28/08/2017</a:t>
+              <a:t>13/09/2017</a:t>
             </a:fld>
             <a:endParaRPr lang="pt-BR"/>
           </a:p>
@@ -2186,7 +2183,7 @@
           <a:p>
             <a:fld id="{DDD670B3-E2EA-4637-9A35-A3F69C814A4D}" type="datetimeFigureOut">
               <a:rPr lang="pt-BR" smtClean="0"/>
-              <a:t>28/08/2017</a:t>
+              <a:t>13/09/2017</a:t>
             </a:fld>
             <a:endParaRPr lang="pt-BR"/>
           </a:p>
@@ -2507,7 +2504,7 @@
           <a:p>
             <a:fld id="{DDD670B3-E2EA-4637-9A35-A3F69C814A4D}" type="datetimeFigureOut">
               <a:rPr lang="pt-BR" smtClean="0"/>
-              <a:t>28/08/2017</a:t>
+              <a:t>13/09/2017</a:t>
             </a:fld>
             <a:endParaRPr lang="pt-BR"/>
           </a:p>
@@ -2808,7 +2805,7 @@
           <a:p>
             <a:fld id="{DDD670B3-E2EA-4637-9A35-A3F69C814A4D}" type="datetimeFigureOut">
               <a:rPr lang="pt-BR" smtClean="0"/>
-              <a:t>28/08/2017</a:t>
+              <a:t>13/09/2017</a:t>
             </a:fld>
             <a:endParaRPr lang="pt-BR"/>
           </a:p>
@@ -3065,7 +3062,7 @@
           <a:p>
             <a:fld id="{DDD670B3-E2EA-4637-9A35-A3F69C814A4D}" type="datetimeFigureOut">
               <a:rPr lang="pt-BR" smtClean="0"/>
-              <a:t>28/08/2017</a:t>
+              <a:t>13/09/2017</a:t>
             </a:fld>
             <a:endParaRPr lang="pt-BR"/>
           </a:p>
@@ -3527,250 +3524,6 @@
 </p:sld>
 </file>
 
-<file path=ppt/slides/slide10.xml><?xml version="1.0" encoding="utf-8"?>
-<p:sld xmlns:a="http://schemas.openxmlformats.org/drawingml/2006/main" xmlns:r="http://schemas.openxmlformats.org/officeDocument/2006/relationships" xmlns:p="http://schemas.openxmlformats.org/presentationml/2006/main">
-  <p:cSld>
-    <p:spTree>
-      <p:nvGrpSpPr>
-        <p:cNvPr id="1" name=""/>
-        <p:cNvGrpSpPr/>
-        <p:nvPr/>
-      </p:nvGrpSpPr>
-      <p:grpSpPr>
-        <a:xfrm>
-          <a:off x="0" y="0"/>
-          <a:ext cx="0" cy="0"/>
-          <a:chOff x="0" y="0"/>
-          <a:chExt cx="0" cy="0"/>
-        </a:xfrm>
-      </p:grpSpPr>
-      <p:sp>
-        <p:nvSpPr>
-          <p:cNvPr id="2" name="Título 1"/>
-          <p:cNvSpPr>
-            <a:spLocks noGrp="1"/>
-          </p:cNvSpPr>
-          <p:nvPr>
-            <p:ph type="title"/>
-          </p:nvPr>
-        </p:nvSpPr>
-        <p:spPr>
-          <a:xfrm>
-            <a:off x="269488" y="532097"/>
-            <a:ext cx="10515600" cy="999524"/>
-          </a:xfrm>
-        </p:spPr>
-        <p:txBody>
-          <a:bodyPr>
-            <a:normAutofit fontScale="90000"/>
-          </a:bodyPr>
-          <a:lstStyle/>
-          <a:p>
-            <a:r>
-              <a:rPr lang="pt-BR" sz="3200" dirty="0"/>
-              <a:t>Exemplo - Justificativas:</a:t>
-            </a:r>
-            <a:br>
-              <a:rPr lang="pt-BR" sz="3200" dirty="0"/>
-            </a:br>
-            <a:br>
-              <a:rPr lang="pt-BR" sz="3200" dirty="0"/>
-            </a:br>
-            <a:br>
-              <a:rPr lang="pt-BR" sz="3200" dirty="0"/>
-            </a:br>
-            <a:endParaRPr lang="pt-BR" sz="3200" dirty="0"/>
-          </a:p>
-        </p:txBody>
-      </p:sp>
-      <p:sp>
-        <p:nvSpPr>
-          <p:cNvPr id="4" name="CaixaDeTexto 3"/>
-          <p:cNvSpPr txBox="1"/>
-          <p:nvPr/>
-        </p:nvSpPr>
-        <p:spPr>
-          <a:xfrm>
-            <a:off x="269488" y="721664"/>
-            <a:ext cx="11617712" cy="6186309"/>
-          </a:xfrm>
-          <a:prstGeom prst="rect">
-            <a:avLst/>
-          </a:prstGeom>
-          <a:noFill/>
-        </p:spPr>
-        <p:txBody>
-          <a:bodyPr wrap="square" rtlCol="0">
-            <a:spAutoFit/>
-          </a:bodyPr>
-          <a:lstStyle/>
-          <a:p>
-            <a:r>
-              <a:rPr lang="pt-BR" b="1" dirty="0"/>
-              <a:t>Referências de posicionamento</a:t>
-            </a:r>
-          </a:p>
-          <a:p>
-            <a:r>
-              <a:rPr lang="pt-BR" b="1" dirty="0"/>
-              <a:t>Menu principal no canto inferior direito</a:t>
-            </a:r>
-          </a:p>
-          <a:p>
-            <a:r>
-              <a:rPr lang="pt-BR" dirty="0"/>
-              <a:t>Referências que utilizam o mesmo padrão:</a:t>
-            </a:r>
-            <a:br>
-              <a:rPr lang="pt-BR" dirty="0"/>
-            </a:br>
-            <a:r>
-              <a:rPr lang="pt-BR" dirty="0">
-                <a:hlinkClick r:id="rId2"/>
-              </a:rPr>
-              <a:t>http://www.site-ficticio-a.com/pagina-ficticia-1</a:t>
-            </a:r>
-            <a:br>
-              <a:rPr lang="pt-BR" dirty="0"/>
-            </a:br>
-            <a:r>
-              <a:rPr lang="pt-BR" dirty="0">
-                <a:hlinkClick r:id="rId3"/>
-              </a:rPr>
-              <a:t>http://www.site-ficticio-b.com/pagina-ficticia-2</a:t>
-            </a:r>
-            <a:br>
-              <a:rPr lang="pt-BR" dirty="0"/>
-            </a:br>
-            <a:r>
-              <a:rPr lang="pt-BR" dirty="0">
-                <a:hlinkClick r:id="rId4"/>
-              </a:rPr>
-              <a:t>http://www.site-ficticio-c.com/pagina-ficticia-3</a:t>
-            </a:r>
-            <a:br>
-              <a:rPr lang="pt-BR" dirty="0"/>
-            </a:br>
-            <a:r>
-              <a:rPr lang="pt-BR" dirty="0">
-                <a:hlinkClick r:id="rId5"/>
-              </a:rPr>
-              <a:t>http://www.site-ficticio-d.com/pagina-ficticia-4</a:t>
-            </a:r>
-            <a:endParaRPr lang="pt-BR" dirty="0"/>
-          </a:p>
-          <a:p>
-            <a:r>
-              <a:rPr lang="pt-BR" dirty="0"/>
-              <a:t>Referência que justifica o padrão:</a:t>
-            </a:r>
-            <a:br>
-              <a:rPr lang="pt-BR" dirty="0"/>
-            </a:br>
-            <a:r>
-              <a:rPr lang="pt-BR" dirty="0">
-                <a:hlinkClick r:id="rId6"/>
-              </a:rPr>
-              <a:t>http://www.site-ficticio-e.com/pagina-ficticia-5</a:t>
-            </a:r>
-            <a:br>
-              <a:rPr lang="pt-BR" dirty="0"/>
-            </a:br>
-            <a:r>
-              <a:rPr lang="pt-BR" dirty="0"/>
-              <a:t>Essa página cita estudos que demonstram que a maioria das pessoas começa a ler de baixo para cima e da direita para a esquerda. A intenção do nosso layout é destacar todos os tipos de projeto que o aluno fez, para que o visitante tenha ideia da variedade de competências. Logo, colocamos o menu principal no canto inferior esquerdo para que ele seja a primeira</a:t>
-            </a:r>
-          </a:p>
-          <a:p>
-            <a:r>
-              <a:rPr lang="pt-BR" dirty="0"/>
-              <a:t> coisa ser vista.</a:t>
-            </a:r>
-          </a:p>
-          <a:p>
-            <a:r>
-              <a:rPr lang="pt-BR" b="1" dirty="0"/>
-              <a:t>Redes sociais no canto superior esquerdo</a:t>
-            </a:r>
-          </a:p>
-          <a:p>
-            <a:r>
-              <a:rPr lang="pt-BR" dirty="0">
-                <a:hlinkClick r:id="rId7"/>
-              </a:rPr>
-              <a:t>http://www.site-ficticio-b.com/pagina-ficticia-6</a:t>
-            </a:r>
-            <a:endParaRPr lang="pt-BR" dirty="0"/>
-          </a:p>
-          <a:p>
-            <a:r>
-              <a:rPr lang="pt-BR" b="1" dirty="0"/>
-              <a:t>Título no canto superior direito</a:t>
-            </a:r>
-          </a:p>
-          <a:p>
-            <a:r>
-              <a:rPr lang="pt-BR" dirty="0">
-                <a:hlinkClick r:id="rId3"/>
-              </a:rPr>
-              <a:t>http://www.site-ficticio-b.com/pagina-ficticia-7</a:t>
-            </a:r>
-            <a:br>
-              <a:rPr lang="pt-BR" dirty="0"/>
-            </a:br>
-            <a:r>
-              <a:rPr lang="pt-BR" b="1" dirty="0"/>
-              <a:t>Foto do aluno no topo e centralizada</a:t>
-            </a:r>
-          </a:p>
-          <a:p>
-            <a:r>
-              <a:rPr lang="pt-BR" dirty="0">
-                <a:hlinkClick r:id="rId3"/>
-              </a:rPr>
-              <a:t>http://www.site-ficticio-b.com/pagina-ficticia-8</a:t>
-            </a:r>
-            <a:br>
-              <a:rPr lang="pt-BR" dirty="0"/>
-            </a:br>
-            <a:r>
-              <a:rPr lang="pt-BR" b="1" dirty="0"/>
-              <a:t>Título do projeto à esquerda de sua foto</a:t>
-            </a:r>
-          </a:p>
-          <a:p>
-            <a:r>
-              <a:rPr lang="pt-BR" dirty="0">
-                <a:hlinkClick r:id="rId3"/>
-              </a:rPr>
-              <a:t>http://www.site-ficticio-b.com</a:t>
-            </a:r>
-            <a:r>
-              <a:rPr lang="pt-BR">
-                <a:hlinkClick r:id="rId3"/>
-              </a:rPr>
-              <a:t>/pagina-ficticia-9</a:t>
-            </a:r>
-            <a:br>
-              <a:rPr lang="pt-BR" dirty="0"/>
-            </a:br>
-            <a:endParaRPr lang="pt-BR" dirty="0"/>
-          </a:p>
-        </p:txBody>
-      </p:sp>
-    </p:spTree>
-    <p:extLst>
-      <p:ext uri="{BB962C8B-B14F-4D97-AF65-F5344CB8AC3E}">
-        <p14:creationId xmlns:p14="http://schemas.microsoft.com/office/powerpoint/2010/main" val="4172234403"/>
-      </p:ext>
-    </p:extLst>
-  </p:cSld>
-  <p:clrMapOvr>
-    <a:masterClrMapping/>
-  </p:clrMapOvr>
-</p:sld>
-</file>
-
 <file path=ppt/slides/slide2.xml><?xml version="1.0" encoding="utf-8"?>
 <p:sld xmlns:a="http://schemas.openxmlformats.org/drawingml/2006/main" xmlns:r="http://schemas.openxmlformats.org/officeDocument/2006/relationships" xmlns:p="http://schemas.openxmlformats.org/presentationml/2006/main">
   <p:cSld>
@@ -3891,7 +3644,7 @@
         </p:nvSpPr>
         <p:spPr>
           <a:xfrm>
-            <a:off x="2871436" y="-104775"/>
+            <a:off x="3426097" y="-174133"/>
             <a:ext cx="4914900" cy="1325563"/>
           </a:xfrm>
         </p:spPr>
@@ -3908,78 +3661,6 @@
           </a:p>
         </p:txBody>
       </p:sp>
-      <p:pic>
-        <p:nvPicPr>
-          <p:cNvPr id="6" name="Imagem 5">
-            <a:extLst>
-              <a:ext uri="{FF2B5EF4-FFF2-40B4-BE49-F238E27FC236}">
-                <a16:creationId xmlns:a16="http://schemas.microsoft.com/office/drawing/2014/main" id="{EB56ED86-FF0C-46FD-9A7F-F87BF3E5ABD8}"/>
-              </a:ext>
-            </a:extLst>
-          </p:cNvPr>
-          <p:cNvPicPr>
-            <a:picLocks noChangeAspect="1"/>
-          </p:cNvPicPr>
-          <p:nvPr/>
-        </p:nvPicPr>
-        <p:blipFill>
-          <a:blip r:embed="rId2">
-            <a:extLst>
-              <a:ext uri="{28A0092B-C50C-407E-A947-70E740481C1C}">
-                <a14:useLocalDpi xmlns:a14="http://schemas.microsoft.com/office/drawing/2010/main" val="0"/>
-              </a:ext>
-            </a:extLst>
-          </a:blip>
-          <a:stretch>
-            <a:fillRect/>
-          </a:stretch>
-        </p:blipFill>
-        <p:spPr>
-          <a:xfrm>
-            <a:off x="266700" y="1220788"/>
-            <a:ext cx="5513614" cy="3775668"/>
-          </a:xfrm>
-          <a:prstGeom prst="rect">
-            <a:avLst/>
-          </a:prstGeom>
-        </p:spPr>
-      </p:pic>
-      <p:pic>
-        <p:nvPicPr>
-          <p:cNvPr id="8" name="Imagem 7">
-            <a:extLst>
-              <a:ext uri="{FF2B5EF4-FFF2-40B4-BE49-F238E27FC236}">
-                <a16:creationId xmlns:a16="http://schemas.microsoft.com/office/drawing/2014/main" id="{5042C6C2-B12B-4094-BF4A-B9C0526E772D}"/>
-              </a:ext>
-            </a:extLst>
-          </p:cNvPr>
-          <p:cNvPicPr>
-            <a:picLocks noChangeAspect="1"/>
-          </p:cNvPicPr>
-          <p:nvPr/>
-        </p:nvPicPr>
-        <p:blipFill>
-          <a:blip r:embed="rId3">
-            <a:extLst>
-              <a:ext uri="{28A0092B-C50C-407E-A947-70E740481C1C}">
-                <a14:useLocalDpi xmlns:a14="http://schemas.microsoft.com/office/drawing/2010/main" val="0"/>
-              </a:ext>
-            </a:extLst>
-          </a:blip>
-          <a:stretch>
-            <a:fillRect/>
-          </a:stretch>
-        </p:blipFill>
-        <p:spPr>
-          <a:xfrm>
-            <a:off x="6085115" y="1220789"/>
-            <a:ext cx="5704114" cy="3538336"/>
-          </a:xfrm>
-          <a:prstGeom prst="rect">
-            <a:avLst/>
-          </a:prstGeom>
-        </p:spPr>
-      </p:pic>
       <p:cxnSp>
         <p:nvCxnSpPr>
           <p:cNvPr id="10" name="Conector reto 9">
@@ -4034,8 +3715,8 @@
         </p:nvCxnSpPr>
         <p:spPr>
           <a:xfrm flipH="1">
-            <a:off x="6715264" y="861847"/>
-            <a:ext cx="484322" cy="371581"/>
+            <a:off x="7924800" y="317643"/>
+            <a:ext cx="300877" cy="240363"/>
           </a:xfrm>
           <a:prstGeom prst="straightConnector1">
             <a:avLst/>
@@ -4068,13 +3749,15 @@
               </a:ext>
             </a:extLst>
           </p:cNvPr>
-          <p:cNvCxnSpPr/>
+          <p:cNvCxnSpPr>
+            <a:cxnSpLocks/>
+          </p:cNvCxnSpPr>
           <p:nvPr/>
         </p:nvCxnSpPr>
         <p:spPr>
           <a:xfrm flipH="1">
-            <a:off x="746234" y="861848"/>
-            <a:ext cx="493987" cy="252249"/>
+            <a:off x="1198792" y="451265"/>
+            <a:ext cx="337947" cy="364633"/>
           </a:xfrm>
           <a:prstGeom prst="straightConnector1">
             <a:avLst/>
@@ -4112,7 +3795,7 @@
         </p:nvSpPr>
         <p:spPr>
           <a:xfrm>
-            <a:off x="1219167" y="631232"/>
+            <a:off x="1621757" y="253158"/>
             <a:ext cx="1804340" cy="369332"/>
           </a:xfrm>
           <a:prstGeom prst="rect">
@@ -4147,7 +3830,7 @@
         </p:nvSpPr>
         <p:spPr>
           <a:xfrm>
-            <a:off x="7288155" y="666791"/>
+            <a:off x="8245608" y="266599"/>
             <a:ext cx="1666418" cy="369332"/>
           </a:xfrm>
           <a:prstGeom prst="rect">
@@ -4168,6 +3851,65 @@
           </a:p>
         </p:txBody>
       </p:sp>
+      <p:pic>
+        <p:nvPicPr>
+          <p:cNvPr id="11" name="Imagem 10">
+            <a:extLst>
+              <a:ext uri="{FF2B5EF4-FFF2-40B4-BE49-F238E27FC236}">
+                <a16:creationId xmlns:a16="http://schemas.microsoft.com/office/drawing/2014/main" id="{670BB919-E0F0-42B6-BB88-62F05E457599}"/>
+              </a:ext>
+            </a:extLst>
+          </p:cNvPr>
+          <p:cNvPicPr>
+            <a:picLocks noChangeAspect="1"/>
+          </p:cNvPicPr>
+          <p:nvPr/>
+        </p:nvPicPr>
+        <p:blipFill>
+          <a:blip r:embed="rId2"/>
+          <a:stretch>
+            <a:fillRect/>
+          </a:stretch>
+        </p:blipFill>
+        <p:spPr>
+          <a:xfrm>
+            <a:off x="7063313" y="815898"/>
+            <a:ext cx="3575843" cy="5918658"/>
+          </a:xfrm>
+          <a:prstGeom prst="rect">
+            <a:avLst/>
+          </a:prstGeom>
+        </p:spPr>
+      </p:pic>
+      <p:pic>
+        <p:nvPicPr>
+          <p:cNvPr id="12" name="Imagem 11">
+            <a:extLst>
+              <a:ext uri="{FF2B5EF4-FFF2-40B4-BE49-F238E27FC236}">
+                <a16:creationId xmlns:a16="http://schemas.microsoft.com/office/drawing/2014/main" id="{F17248C0-6454-4F41-8262-BE8BB1AC2517}"/>
+              </a:ext>
+            </a:extLst>
+          </p:cNvPr>
+          <p:cNvPicPr>
+            <a:picLocks noChangeAspect="1"/>
+          </p:cNvPicPr>
+          <p:nvPr/>
+        </p:nvPicPr>
+        <p:blipFill rotWithShape="1">
+          <a:blip r:embed="rId3"/>
+          <a:srcRect t="-1" b="-6699"/>
+          <a:stretch/>
+        </p:blipFill>
+        <p:spPr>
+          <a:xfrm>
+            <a:off x="1104530" y="1000564"/>
+            <a:ext cx="3638434" cy="5963491"/>
+          </a:xfrm>
+          <a:prstGeom prst="rect">
+            <a:avLst/>
+          </a:prstGeom>
+        </p:spPr>
+      </p:pic>
     </p:spTree>
     <p:extLst>
       <p:ext uri="{BB962C8B-B14F-4D97-AF65-F5344CB8AC3E}">
@@ -4580,7 +4322,9 @@
           </a:xfrm>
         </p:spPr>
         <p:txBody>
-          <a:bodyPr/>
+          <a:bodyPr>
+            <a:normAutofit/>
+          </a:bodyPr>
           <a:lstStyle/>
           <a:p>
             <a:r>
@@ -4593,6 +4337,48 @@
               <a:rPr lang="pt-BR" dirty="0"/>
               <a:t> (design moderno, simples )</a:t>
             </a:r>
+          </a:p>
+          <a:p>
+            <a:pPr marL="0" indent="0">
+              <a:buNone/>
+            </a:pPr>
+            <a:endParaRPr lang="pt-BR" dirty="0"/>
+          </a:p>
+          <a:p>
+            <a:r>
+              <a:rPr lang="pt-BR" dirty="0"/>
+              <a:t>Tivemos como referencia da pagina principal o site tuesport.com.br</a:t>
+            </a:r>
+          </a:p>
+          <a:p>
+            <a:r>
+              <a:rPr lang="pt-BR" dirty="0">
+                <a:hlinkClick r:id="rId3"/>
+              </a:rPr>
+              <a:t>https://tuesport.com.br/</a:t>
+            </a:r>
+            <a:endParaRPr lang="pt-BR" dirty="0"/>
+          </a:p>
+          <a:p>
+            <a:endParaRPr lang="pt-BR" dirty="0"/>
+          </a:p>
+          <a:p>
+            <a:r>
+              <a:rPr lang="pt-BR" dirty="0"/>
+              <a:t>Como referência para nossa página de projetos nós utilizamos o site da Adobe Cloud, porque conseguimos adaptar a ideia de barra divisória de itens para cada projeto, assim deixa a parte de Projetos mais acessível.</a:t>
+            </a:r>
+          </a:p>
+          <a:p>
+            <a:r>
+              <a:rPr lang="pt-BR" dirty="0"/>
+              <a:t>https://www.adobe.com/br/creativecloud.html</a:t>
+            </a:r>
+          </a:p>
+          <a:p>
+            <a:endParaRPr lang="pt-BR" dirty="0"/>
+          </a:p>
+          <a:p>
+            <a:endParaRPr lang="pt-BR" dirty="0"/>
           </a:p>
         </p:txBody>
       </p:sp>
@@ -4680,211 +4466,24 @@
               <a:t>Design moderno, com poucos elementos porém bem detalhado. Com uso de ícones e imagens.</a:t>
             </a:r>
           </a:p>
+          <a:p>
+            <a:r>
+              <a:rPr lang="pt-BR" dirty="0"/>
+              <a:t>Percebemos que deixar a pagina Sobre Mim da maneira parecida com a de Projetos tornou o site mais único, sem uma dispersão de ideia ou de uso. Assim, o usuário percebe que continua em nosso site porém na área Sobre mim</a:t>
+            </a:r>
+          </a:p>
+          <a:p>
+            <a:pPr marL="0" indent="0">
+              <a:buNone/>
+            </a:pPr>
+            <a:endParaRPr lang="pt-BR" dirty="0"/>
+          </a:p>
         </p:txBody>
       </p:sp>
     </p:spTree>
     <p:extLst>
       <p:ext uri="{BB962C8B-B14F-4D97-AF65-F5344CB8AC3E}">
         <p14:creationId xmlns:p14="http://schemas.microsoft.com/office/powerpoint/2010/main" val="2297878016"/>
-      </p:ext>
-    </p:extLst>
-  </p:cSld>
-  <p:clrMapOvr>
-    <a:masterClrMapping/>
-  </p:clrMapOvr>
-</p:sld>
-</file>
-
-<file path=ppt/slides/slide8.xml><?xml version="1.0" encoding="utf-8"?>
-<p:sld xmlns:a="http://schemas.openxmlformats.org/drawingml/2006/main" xmlns:r="http://schemas.openxmlformats.org/officeDocument/2006/relationships" xmlns:p="http://schemas.openxmlformats.org/presentationml/2006/main">
-  <p:cSld>
-    <p:spTree>
-      <p:nvGrpSpPr>
-        <p:cNvPr id="1" name=""/>
-        <p:cNvGrpSpPr/>
-        <p:nvPr/>
-      </p:nvGrpSpPr>
-      <p:grpSpPr>
-        <a:xfrm>
-          <a:off x="0" y="0"/>
-          <a:ext cx="0" cy="0"/>
-          <a:chOff x="0" y="0"/>
-          <a:chExt cx="0" cy="0"/>
-        </a:xfrm>
-      </p:grpSpPr>
-      <p:sp>
-        <p:nvSpPr>
-          <p:cNvPr id="2" name="Título 1"/>
-          <p:cNvSpPr>
-            <a:spLocks noGrp="1"/>
-          </p:cNvSpPr>
-          <p:nvPr>
-            <p:ph type="title"/>
-          </p:nvPr>
-        </p:nvSpPr>
-        <p:spPr>
-          <a:xfrm>
-            <a:off x="269488" y="-25463"/>
-            <a:ext cx="10515600" cy="1325563"/>
-          </a:xfrm>
-        </p:spPr>
-        <p:txBody>
-          <a:bodyPr>
-            <a:normAutofit/>
-          </a:bodyPr>
-          <a:lstStyle/>
-          <a:p>
-            <a:r>
-              <a:rPr lang="pt-BR" sz="3200" dirty="0"/>
-              <a:t>Exemplo - Sketch:</a:t>
-            </a:r>
-          </a:p>
-        </p:txBody>
-      </p:sp>
-      <p:pic>
-        <p:nvPicPr>
-          <p:cNvPr id="1026" name="Picture 2" descr="http://codesign2016.wdfiles.com/local--files/exemplo-ficticio-de-entrega/sketch2.png"/>
-          <p:cNvPicPr>
-            <a:picLocks noChangeAspect="1" noChangeArrowheads="1"/>
-          </p:cNvPicPr>
-          <p:nvPr/>
-        </p:nvPicPr>
-        <p:blipFill>
-          <a:blip r:embed="rId2">
-            <a:extLst>
-              <a:ext uri="{28A0092B-C50C-407E-A947-70E740481C1C}">
-                <a14:useLocalDpi xmlns:a14="http://schemas.microsoft.com/office/drawing/2010/main" val="0"/>
-              </a:ext>
-            </a:extLst>
-          </a:blip>
-          <a:srcRect/>
-          <a:stretch>
-            <a:fillRect/>
-          </a:stretch>
-        </p:blipFill>
-        <p:spPr bwMode="auto">
-          <a:xfrm>
-            <a:off x="3272109" y="646771"/>
-            <a:ext cx="8602391" cy="5941220"/>
-          </a:xfrm>
-          <a:prstGeom prst="rect">
-            <a:avLst/>
-          </a:prstGeom>
-          <a:noFill/>
-          <a:extLst>
-            <a:ext uri="{909E8E84-426E-40DD-AFC4-6F175D3DCCD1}">
-              <a14:hiddenFill xmlns:a14="http://schemas.microsoft.com/office/drawing/2010/main">
-                <a:solidFill>
-                  <a:srgbClr val="FFFFFF"/>
-                </a:solidFill>
-              </a14:hiddenFill>
-            </a:ext>
-          </a:extLst>
-        </p:spPr>
-      </p:pic>
-    </p:spTree>
-    <p:extLst>
-      <p:ext uri="{BB962C8B-B14F-4D97-AF65-F5344CB8AC3E}">
-        <p14:creationId xmlns:p14="http://schemas.microsoft.com/office/powerpoint/2010/main" val="2116396385"/>
-      </p:ext>
-    </p:extLst>
-  </p:cSld>
-  <p:clrMapOvr>
-    <a:masterClrMapping/>
-  </p:clrMapOvr>
-</p:sld>
-</file>
-
-<file path=ppt/slides/slide9.xml><?xml version="1.0" encoding="utf-8"?>
-<p:sld xmlns:a="http://schemas.openxmlformats.org/drawingml/2006/main" xmlns:r="http://schemas.openxmlformats.org/officeDocument/2006/relationships" xmlns:p="http://schemas.openxmlformats.org/presentationml/2006/main">
-  <p:cSld>
-    <p:spTree>
-      <p:nvGrpSpPr>
-        <p:cNvPr id="1" name=""/>
-        <p:cNvGrpSpPr/>
-        <p:nvPr/>
-      </p:nvGrpSpPr>
-      <p:grpSpPr>
-        <a:xfrm>
-          <a:off x="0" y="0"/>
-          <a:ext cx="0" cy="0"/>
-          <a:chOff x="0" y="0"/>
-          <a:chExt cx="0" cy="0"/>
-        </a:xfrm>
-      </p:grpSpPr>
-      <p:sp>
-        <p:nvSpPr>
-          <p:cNvPr id="2" name="Título 1"/>
-          <p:cNvSpPr>
-            <a:spLocks noGrp="1"/>
-          </p:cNvSpPr>
-          <p:nvPr>
-            <p:ph type="title"/>
-          </p:nvPr>
-        </p:nvSpPr>
-        <p:spPr>
-          <a:xfrm>
-            <a:off x="269488" y="532096"/>
-            <a:ext cx="10515600" cy="1325563"/>
-          </a:xfrm>
-        </p:spPr>
-        <p:txBody>
-          <a:bodyPr>
-            <a:normAutofit fontScale="90000"/>
-          </a:bodyPr>
-          <a:lstStyle/>
-          <a:p>
-            <a:r>
-              <a:rPr lang="pt-BR" sz="3200" dirty="0"/>
-              <a:t>Exemplo - Referência:</a:t>
-            </a:r>
-            <a:br>
-              <a:rPr lang="pt-BR" sz="3200" dirty="0"/>
-            </a:br>
-            <a:br>
-              <a:rPr lang="pt-BR" sz="3200" dirty="0"/>
-            </a:br>
-            <a:br>
-              <a:rPr lang="pt-BR" sz="3200" dirty="0"/>
-            </a:br>
-            <a:br>
-              <a:rPr lang="pt-BR" sz="3200" dirty="0"/>
-            </a:br>
-            <a:r>
-              <a:rPr lang="pt-BR" sz="2700" dirty="0"/>
-              <a:t>www.imdb.com</a:t>
-            </a:r>
-            <a:endParaRPr lang="pt-BR" sz="3200" dirty="0"/>
-          </a:p>
-        </p:txBody>
-      </p:sp>
-      <p:pic>
-        <p:nvPicPr>
-          <p:cNvPr id="3" name="Imagem 2"/>
-          <p:cNvPicPr>
-            <a:picLocks noChangeAspect="1"/>
-          </p:cNvPicPr>
-          <p:nvPr/>
-        </p:nvPicPr>
-        <p:blipFill rotWithShape="1">
-          <a:blip r:embed="rId2"/>
-          <a:srcRect l="16921" t="8242" r="19512" b="6255"/>
-          <a:stretch/>
-        </p:blipFill>
-        <p:spPr>
-          <a:xfrm>
-            <a:off x="3802566" y="1003610"/>
-            <a:ext cx="7750097" cy="5386040"/>
-          </a:xfrm>
-          <a:prstGeom prst="rect">
-            <a:avLst/>
-          </a:prstGeom>
-        </p:spPr>
-      </p:pic>
-    </p:spTree>
-    <p:extLst>
-      <p:ext uri="{BB962C8B-B14F-4D97-AF65-F5344CB8AC3E}">
-        <p14:creationId xmlns:p14="http://schemas.microsoft.com/office/powerpoint/2010/main" val="55493841"/>
       </p:ext>
     </p:extLst>
   </p:cSld>

--- a/Projeto 1/Entrega02.pptx
+++ b/Projeto 1/Entrega02.pptx
@@ -9,9 +9,8 @@
     <p:sldId id="257" r:id="rId3"/>
     <p:sldId id="261" r:id="rId4"/>
     <p:sldId id="262" r:id="rId5"/>
-    <p:sldId id="263" r:id="rId6"/>
-    <p:sldId id="272" r:id="rId7"/>
-    <p:sldId id="273" r:id="rId8"/>
+    <p:sldId id="272" r:id="rId6"/>
+    <p:sldId id="273" r:id="rId7"/>
   </p:sldIdLst>
   <p:sldSz cx="12192000" cy="6858000"/>
   <p:notesSz cx="6858000" cy="9144000"/>
@@ -253,7 +252,7 @@
           <a:p>
             <a:fld id="{DDD670B3-E2EA-4637-9A35-A3F69C814A4D}" type="datetimeFigureOut">
               <a:rPr lang="pt-BR" smtClean="0"/>
-              <a:t>13/09/2017</a:t>
+              <a:t>06/10/2017</a:t>
             </a:fld>
             <a:endParaRPr lang="pt-BR"/>
           </a:p>
@@ -467,7 +466,7 @@
           <a:p>
             <a:fld id="{DDD670B3-E2EA-4637-9A35-A3F69C814A4D}" type="datetimeFigureOut">
               <a:rPr lang="pt-BR" smtClean="0"/>
-              <a:t>13/09/2017</a:t>
+              <a:t>06/10/2017</a:t>
             </a:fld>
             <a:endParaRPr lang="pt-BR"/>
           </a:p>
@@ -691,7 +690,7 @@
           <a:p>
             <a:fld id="{DDD670B3-E2EA-4637-9A35-A3F69C814A4D}" type="datetimeFigureOut">
               <a:rPr lang="pt-BR" smtClean="0"/>
-              <a:t>13/09/2017</a:t>
+              <a:t>06/10/2017</a:t>
             </a:fld>
             <a:endParaRPr lang="pt-BR"/>
           </a:p>
@@ -905,7 +904,7 @@
           <a:p>
             <a:fld id="{DDD670B3-E2EA-4637-9A35-A3F69C814A4D}" type="datetimeFigureOut">
               <a:rPr lang="pt-BR" smtClean="0"/>
-              <a:t>13/09/2017</a:t>
+              <a:t>06/10/2017</a:t>
             </a:fld>
             <a:endParaRPr lang="pt-BR"/>
           </a:p>
@@ -1195,7 +1194,7 @@
           <a:p>
             <a:fld id="{DDD670B3-E2EA-4637-9A35-A3F69C814A4D}" type="datetimeFigureOut">
               <a:rPr lang="pt-BR" smtClean="0"/>
-              <a:t>13/09/2017</a:t>
+              <a:t>06/10/2017</a:t>
             </a:fld>
             <a:endParaRPr lang="pt-BR"/>
           </a:p>
@@ -1471,7 +1470,7 @@
           <a:p>
             <a:fld id="{DDD670B3-E2EA-4637-9A35-A3F69C814A4D}" type="datetimeFigureOut">
               <a:rPr lang="pt-BR" smtClean="0"/>
-              <a:t>13/09/2017</a:t>
+              <a:t>06/10/2017</a:t>
             </a:fld>
             <a:endParaRPr lang="pt-BR"/>
           </a:p>
@@ -1882,7 +1881,7 @@
           <a:p>
             <a:fld id="{DDD670B3-E2EA-4637-9A35-A3F69C814A4D}" type="datetimeFigureOut">
               <a:rPr lang="pt-BR" smtClean="0"/>
-              <a:t>13/09/2017</a:t>
+              <a:t>06/10/2017</a:t>
             </a:fld>
             <a:endParaRPr lang="pt-BR"/>
           </a:p>
@@ -2044,7 +2043,7 @@
           <a:p>
             <a:fld id="{DDD670B3-E2EA-4637-9A35-A3F69C814A4D}" type="datetimeFigureOut">
               <a:rPr lang="pt-BR" smtClean="0"/>
-              <a:t>13/09/2017</a:t>
+              <a:t>06/10/2017</a:t>
             </a:fld>
             <a:endParaRPr lang="pt-BR"/>
           </a:p>
@@ -2183,7 +2182,7 @@
           <a:p>
             <a:fld id="{DDD670B3-E2EA-4637-9A35-A3F69C814A4D}" type="datetimeFigureOut">
               <a:rPr lang="pt-BR" smtClean="0"/>
-              <a:t>13/09/2017</a:t>
+              <a:t>06/10/2017</a:t>
             </a:fld>
             <a:endParaRPr lang="pt-BR"/>
           </a:p>
@@ -2504,7 +2503,7 @@
           <a:p>
             <a:fld id="{DDD670B3-E2EA-4637-9A35-A3F69C814A4D}" type="datetimeFigureOut">
               <a:rPr lang="pt-BR" smtClean="0"/>
-              <a:t>13/09/2017</a:t>
+              <a:t>06/10/2017</a:t>
             </a:fld>
             <a:endParaRPr lang="pt-BR"/>
           </a:p>
@@ -2805,7 +2804,7 @@
           <a:p>
             <a:fld id="{DDD670B3-E2EA-4637-9A35-A3F69C814A4D}" type="datetimeFigureOut">
               <a:rPr lang="pt-BR" smtClean="0"/>
-              <a:t>13/09/2017</a:t>
+              <a:t>06/10/2017</a:t>
             </a:fld>
             <a:endParaRPr lang="pt-BR"/>
           </a:p>
@@ -3062,7 +3061,7 @@
           <a:p>
             <a:fld id="{DDD670B3-E2EA-4637-9A35-A3F69C814A4D}" type="datetimeFigureOut">
               <a:rPr lang="pt-BR" smtClean="0"/>
-              <a:t>13/09/2017</a:t>
+              <a:t>06/10/2017</a:t>
             </a:fld>
             <a:endParaRPr lang="pt-BR"/>
           </a:p>
@@ -3644,7 +3643,7 @@
         </p:nvSpPr>
         <p:spPr>
           <a:xfrm>
-            <a:off x="3426097" y="-174133"/>
+            <a:off x="327297" y="266134"/>
             <a:ext cx="4914900" cy="1325563"/>
           </a:xfrm>
         </p:spPr>
@@ -3661,202 +3660,12 @@
           </a:p>
         </p:txBody>
       </p:sp>
-      <p:cxnSp>
-        <p:nvCxnSpPr>
-          <p:cNvPr id="10" name="Conector reto 9">
+      <p:pic>
+        <p:nvPicPr>
+          <p:cNvPr id="4" name="Imagem 3">
             <a:extLst>
               <a:ext uri="{FF2B5EF4-FFF2-40B4-BE49-F238E27FC236}">
-                <a16:creationId xmlns:a16="http://schemas.microsoft.com/office/drawing/2014/main" id="{FF761336-1C18-4BE0-82DE-9CCC205845D8}"/>
-              </a:ext>
-            </a:extLst>
-          </p:cNvPr>
-          <p:cNvCxnSpPr>
-            <a:cxnSpLocks/>
-          </p:cNvCxnSpPr>
-          <p:nvPr/>
-        </p:nvCxnSpPr>
-        <p:spPr>
-          <a:xfrm>
-            <a:off x="5980522" y="1220788"/>
-            <a:ext cx="0" cy="5180012"/>
-          </a:xfrm>
-          <a:prstGeom prst="line">
-            <a:avLst/>
-          </a:prstGeom>
-        </p:spPr>
-        <p:style>
-          <a:lnRef idx="1">
-            <a:schemeClr val="accent1"/>
-          </a:lnRef>
-          <a:fillRef idx="0">
-            <a:schemeClr val="accent1"/>
-          </a:fillRef>
-          <a:effectRef idx="0">
-            <a:schemeClr val="accent1"/>
-          </a:effectRef>
-          <a:fontRef idx="minor">
-            <a:schemeClr val="tx1"/>
-          </a:fontRef>
-        </p:style>
-      </p:cxnSp>
-      <p:cxnSp>
-        <p:nvCxnSpPr>
-          <p:cNvPr id="13" name="Conector de Seta Reta 12">
-            <a:extLst>
-              <a:ext uri="{FF2B5EF4-FFF2-40B4-BE49-F238E27FC236}">
-                <a16:creationId xmlns:a16="http://schemas.microsoft.com/office/drawing/2014/main" id="{964D9833-4104-45A0-A9F3-E4C5406FCCD0}"/>
-              </a:ext>
-            </a:extLst>
-          </p:cNvPr>
-          <p:cNvCxnSpPr>
-            <a:cxnSpLocks/>
-          </p:cNvCxnSpPr>
-          <p:nvPr/>
-        </p:nvCxnSpPr>
-        <p:spPr>
-          <a:xfrm flipH="1">
-            <a:off x="7924800" y="317643"/>
-            <a:ext cx="300877" cy="240363"/>
-          </a:xfrm>
-          <a:prstGeom prst="straightConnector1">
-            <a:avLst/>
-          </a:prstGeom>
-          <a:ln>
-            <a:tailEnd type="triangle"/>
-          </a:ln>
-        </p:spPr>
-        <p:style>
-          <a:lnRef idx="1">
-            <a:schemeClr val="accent1"/>
-          </a:lnRef>
-          <a:fillRef idx="0">
-            <a:schemeClr val="accent1"/>
-          </a:fillRef>
-          <a:effectRef idx="0">
-            <a:schemeClr val="accent1"/>
-          </a:effectRef>
-          <a:fontRef idx="minor">
-            <a:schemeClr val="tx1"/>
-          </a:fontRef>
-        </p:style>
-      </p:cxnSp>
-      <p:cxnSp>
-        <p:nvCxnSpPr>
-          <p:cNvPr id="15" name="Conector de Seta Reta 14">
-            <a:extLst>
-              <a:ext uri="{FF2B5EF4-FFF2-40B4-BE49-F238E27FC236}">
-                <a16:creationId xmlns:a16="http://schemas.microsoft.com/office/drawing/2014/main" id="{CDAA0729-CEBD-4128-B8C5-92607DF5B172}"/>
-              </a:ext>
-            </a:extLst>
-          </p:cNvPr>
-          <p:cNvCxnSpPr>
-            <a:cxnSpLocks/>
-          </p:cNvCxnSpPr>
-          <p:nvPr/>
-        </p:nvCxnSpPr>
-        <p:spPr>
-          <a:xfrm flipH="1">
-            <a:off x="1198792" y="451265"/>
-            <a:ext cx="337947" cy="364633"/>
-          </a:xfrm>
-          <a:prstGeom prst="straightConnector1">
-            <a:avLst/>
-          </a:prstGeom>
-          <a:ln>
-            <a:tailEnd type="triangle"/>
-          </a:ln>
-        </p:spPr>
-        <p:style>
-          <a:lnRef idx="1">
-            <a:schemeClr val="accent1"/>
-          </a:lnRef>
-          <a:fillRef idx="0">
-            <a:schemeClr val="accent1"/>
-          </a:fillRef>
-          <a:effectRef idx="0">
-            <a:schemeClr val="accent1"/>
-          </a:effectRef>
-          <a:fontRef idx="minor">
-            <a:schemeClr val="tx1"/>
-          </a:fontRef>
-        </p:style>
-      </p:cxnSp>
-      <p:sp>
-        <p:nvSpPr>
-          <p:cNvPr id="17" name="CaixaDeTexto 16">
-            <a:extLst>
-              <a:ext uri="{FF2B5EF4-FFF2-40B4-BE49-F238E27FC236}">
-                <a16:creationId xmlns:a16="http://schemas.microsoft.com/office/drawing/2014/main" id="{C9B945A4-3BA2-4622-9E99-D79490D43754}"/>
-              </a:ext>
-            </a:extLst>
-          </p:cNvPr>
-          <p:cNvSpPr txBox="1"/>
-          <p:nvPr/>
-        </p:nvSpPr>
-        <p:spPr>
-          <a:xfrm>
-            <a:off x="1621757" y="253158"/>
-            <a:ext cx="1804340" cy="369332"/>
-          </a:xfrm>
-          <a:prstGeom prst="rect">
-            <a:avLst/>
-          </a:prstGeom>
-          <a:noFill/>
-        </p:spPr>
-        <p:txBody>
-          <a:bodyPr wrap="none" rtlCol="0">
-            <a:spAutoFit/>
-          </a:bodyPr>
-          <a:lstStyle/>
-          <a:p>
-            <a:r>
-              <a:rPr lang="pt-BR" dirty="0"/>
-              <a:t>pesquisa fechada</a:t>
-            </a:r>
-          </a:p>
-        </p:txBody>
-      </p:sp>
-      <p:sp>
-        <p:nvSpPr>
-          <p:cNvPr id="19" name="CaixaDeTexto 18">
-            <a:extLst>
-              <a:ext uri="{FF2B5EF4-FFF2-40B4-BE49-F238E27FC236}">
-                <a16:creationId xmlns:a16="http://schemas.microsoft.com/office/drawing/2014/main" id="{265E96A6-7697-45B0-8DD2-012E221FED90}"/>
-              </a:ext>
-            </a:extLst>
-          </p:cNvPr>
-          <p:cNvSpPr txBox="1"/>
-          <p:nvPr/>
-        </p:nvSpPr>
-        <p:spPr>
-          <a:xfrm>
-            <a:off x="8245608" y="266599"/>
-            <a:ext cx="1666418" cy="369332"/>
-          </a:xfrm>
-          <a:prstGeom prst="rect">
-            <a:avLst/>
-          </a:prstGeom>
-          <a:noFill/>
-        </p:spPr>
-        <p:txBody>
-          <a:bodyPr wrap="none" rtlCol="0">
-            <a:spAutoFit/>
-          </a:bodyPr>
-          <a:lstStyle/>
-          <a:p>
-            <a:r>
-              <a:rPr lang="pt-BR" dirty="0"/>
-              <a:t>Pesquisa aberta</a:t>
-            </a:r>
-          </a:p>
-        </p:txBody>
-      </p:sp>
-      <p:pic>
-        <p:nvPicPr>
-          <p:cNvPr id="11" name="Imagem 10">
-            <a:extLst>
-              <a:ext uri="{FF2B5EF4-FFF2-40B4-BE49-F238E27FC236}">
-                <a16:creationId xmlns:a16="http://schemas.microsoft.com/office/drawing/2014/main" id="{670BB919-E0F0-42B6-BB88-62F05E457599}"/>
+                <a16:creationId xmlns:a16="http://schemas.microsoft.com/office/drawing/2014/main" id="{EDA153E5-A714-48A4-BD0E-0552BCC08755}"/>
               </a:ext>
             </a:extLst>
           </p:cNvPr>
@@ -3866,44 +3675,21 @@
           <p:nvPr/>
         </p:nvPicPr>
         <p:blipFill>
-          <a:blip r:embed="rId2"/>
+          <a:blip r:embed="rId2">
+            <a:extLst>
+              <a:ext uri="{28A0092B-C50C-407E-A947-70E740481C1C}">
+                <a14:useLocalDpi xmlns:a14="http://schemas.microsoft.com/office/drawing/2010/main" val="0"/>
+              </a:ext>
+            </a:extLst>
+          </a:blip>
           <a:stretch>
             <a:fillRect/>
           </a:stretch>
         </p:blipFill>
         <p:spPr>
           <a:xfrm>
-            <a:off x="7063313" y="815898"/>
-            <a:ext cx="3575843" cy="5918658"/>
-          </a:xfrm>
-          <a:prstGeom prst="rect">
-            <a:avLst/>
-          </a:prstGeom>
-        </p:spPr>
-      </p:pic>
-      <p:pic>
-        <p:nvPicPr>
-          <p:cNvPr id="12" name="Imagem 11">
-            <a:extLst>
-              <a:ext uri="{FF2B5EF4-FFF2-40B4-BE49-F238E27FC236}">
-                <a16:creationId xmlns:a16="http://schemas.microsoft.com/office/drawing/2014/main" id="{F17248C0-6454-4F41-8262-BE8BB1AC2517}"/>
-              </a:ext>
-            </a:extLst>
-          </p:cNvPr>
-          <p:cNvPicPr>
-            <a:picLocks noChangeAspect="1"/>
-          </p:cNvPicPr>
-          <p:nvPr/>
-        </p:nvPicPr>
-        <p:blipFill rotWithShape="1">
-          <a:blip r:embed="rId3"/>
-          <a:srcRect t="-1" b="-6699"/>
-          <a:stretch/>
-        </p:blipFill>
-        <p:spPr>
-          <a:xfrm>
-            <a:off x="1104530" y="1000564"/>
-            <a:ext cx="3638434" cy="5963491"/>
+            <a:off x="5379464" y="266134"/>
+            <a:ext cx="4047565" cy="6255328"/>
           </a:xfrm>
           <a:prstGeom prst="rect">
             <a:avLst/>
@@ -4042,10 +3828,10 @@
       </p:pic>
       <p:pic>
         <p:nvPicPr>
-          <p:cNvPr id="10" name="Imagem 9">
+          <p:cNvPr id="4" name="Imagem 3">
             <a:extLst>
               <a:ext uri="{FF2B5EF4-FFF2-40B4-BE49-F238E27FC236}">
-                <a16:creationId xmlns:a16="http://schemas.microsoft.com/office/drawing/2014/main" id="{B37CBC67-2411-40CA-91B3-BB34000ECE23}"/>
+                <a16:creationId xmlns:a16="http://schemas.microsoft.com/office/drawing/2014/main" id="{8F37ED47-4042-45BA-A7FE-7F36FB7A6677}"/>
               </a:ext>
             </a:extLst>
           </p:cNvPr>
@@ -4067,91 +3853,15 @@
           </a:stretch>
         </p:blipFill>
         <p:spPr>
-          <a:xfrm rot="16200000">
-            <a:off x="2409087" y="-183285"/>
-            <a:ext cx="5390296" cy="7597805"/>
+          <a:xfrm>
+            <a:off x="4757173" y="277906"/>
+            <a:ext cx="3856264" cy="6351493"/>
           </a:xfrm>
           <a:prstGeom prst="rect">
             <a:avLst/>
           </a:prstGeom>
         </p:spPr>
       </p:pic>
-      <p:cxnSp>
-        <p:nvCxnSpPr>
-          <p:cNvPr id="12" name="Conector de Seta Reta 11">
-            <a:extLst>
-              <a:ext uri="{FF2B5EF4-FFF2-40B4-BE49-F238E27FC236}">
-                <a16:creationId xmlns:a16="http://schemas.microsoft.com/office/drawing/2014/main" id="{7DA490B8-8D57-4B98-A7D6-D0090AA4E4CB}"/>
-              </a:ext>
-            </a:extLst>
-          </p:cNvPr>
-          <p:cNvCxnSpPr>
-            <a:cxnSpLocks/>
-          </p:cNvCxnSpPr>
-          <p:nvPr/>
-        </p:nvCxnSpPr>
-        <p:spPr>
-          <a:xfrm>
-            <a:off x="924332" y="4374847"/>
-            <a:ext cx="761999" cy="0"/>
-          </a:xfrm>
-          <a:prstGeom prst="straightConnector1">
-            <a:avLst/>
-          </a:prstGeom>
-          <a:ln>
-            <a:tailEnd type="triangle"/>
-          </a:ln>
-        </p:spPr>
-        <p:style>
-          <a:lnRef idx="1">
-            <a:schemeClr val="accent1"/>
-          </a:lnRef>
-          <a:fillRef idx="0">
-            <a:schemeClr val="accent1"/>
-          </a:fillRef>
-          <a:effectRef idx="0">
-            <a:schemeClr val="accent1"/>
-          </a:effectRef>
-          <a:fontRef idx="minor">
-            <a:schemeClr val="tx1"/>
-          </a:fontRef>
-        </p:style>
-      </p:cxnSp>
-      <p:sp>
-        <p:nvSpPr>
-          <p:cNvPr id="14" name="CaixaDeTexto 13">
-            <a:extLst>
-              <a:ext uri="{FF2B5EF4-FFF2-40B4-BE49-F238E27FC236}">
-                <a16:creationId xmlns:a16="http://schemas.microsoft.com/office/drawing/2014/main" id="{ED0635EC-062F-45FB-98C8-624C09D580E8}"/>
-              </a:ext>
-            </a:extLst>
-          </p:cNvPr>
-          <p:cNvSpPr txBox="1"/>
-          <p:nvPr/>
-        </p:nvSpPr>
-        <p:spPr>
-          <a:xfrm rot="16200000">
-            <a:off x="-544455" y="4190181"/>
-            <a:ext cx="2176237" cy="369332"/>
-          </a:xfrm>
-          <a:prstGeom prst="rect">
-            <a:avLst/>
-          </a:prstGeom>
-          <a:noFill/>
-        </p:spPr>
-        <p:txBody>
-          <a:bodyPr wrap="none" rtlCol="0">
-            <a:spAutoFit/>
-          </a:bodyPr>
-          <a:lstStyle/>
-          <a:p>
-            <a:r>
-              <a:rPr lang="pt-BR" dirty="0"/>
-              <a:t>Quando ícone aberto</a:t>
-            </a:r>
-          </a:p>
-        </p:txBody>
-      </p:sp>
     </p:spTree>
     <p:extLst>
       <p:ext uri="{BB962C8B-B14F-4D97-AF65-F5344CB8AC3E}">
@@ -4206,100 +3916,6 @@
           <a:p>
             <a:r>
               <a:rPr lang="pt-BR" sz="2800" dirty="0"/>
-              <a:t>Sketch da página Sobre Mim</a:t>
-            </a:r>
-          </a:p>
-        </p:txBody>
-      </p:sp>
-      <p:pic>
-        <p:nvPicPr>
-          <p:cNvPr id="6" name="Espaço Reservado para Conteúdo 5">
-            <a:extLst>
-              <a:ext uri="{FF2B5EF4-FFF2-40B4-BE49-F238E27FC236}">
-                <a16:creationId xmlns:a16="http://schemas.microsoft.com/office/drawing/2014/main" id="{7226329F-4C6D-4B79-9D5B-2A0B59A94474}"/>
-              </a:ext>
-            </a:extLst>
-          </p:cNvPr>
-          <p:cNvPicPr>
-            <a:picLocks noGrp="1" noChangeAspect="1"/>
-          </p:cNvPicPr>
-          <p:nvPr>
-            <p:ph idx="1"/>
-          </p:nvPr>
-        </p:nvPicPr>
-        <p:blipFill>
-          <a:blip r:embed="rId2">
-            <a:extLst>
-              <a:ext uri="{28A0092B-C50C-407E-A947-70E740481C1C}">
-                <a14:useLocalDpi xmlns:a14="http://schemas.microsoft.com/office/drawing/2010/main" val="0"/>
-              </a:ext>
-            </a:extLst>
-          </a:blip>
-          <a:stretch>
-            <a:fillRect/>
-          </a:stretch>
-        </p:blipFill>
-        <p:spPr>
-          <a:xfrm rot="16200000">
-            <a:off x="3912656" y="-25105"/>
-            <a:ext cx="5255955" cy="7408074"/>
-          </a:xfrm>
-        </p:spPr>
-      </p:pic>
-    </p:spTree>
-    <p:extLst>
-      <p:ext uri="{BB962C8B-B14F-4D97-AF65-F5344CB8AC3E}">
-        <p14:creationId xmlns:p14="http://schemas.microsoft.com/office/powerpoint/2010/main" val="586815094"/>
-      </p:ext>
-    </p:extLst>
-  </p:cSld>
-  <p:clrMapOvr>
-    <a:masterClrMapping/>
-  </p:clrMapOvr>
-</p:sld>
-</file>
-
-<file path=ppt/slides/slide6.xml><?xml version="1.0" encoding="utf-8"?>
-<p:sld xmlns:a="http://schemas.openxmlformats.org/drawingml/2006/main" xmlns:r="http://schemas.openxmlformats.org/officeDocument/2006/relationships" xmlns:p="http://schemas.openxmlformats.org/presentationml/2006/main">
-  <p:cSld>
-    <p:spTree>
-      <p:nvGrpSpPr>
-        <p:cNvPr id="1" name=""/>
-        <p:cNvGrpSpPr/>
-        <p:nvPr/>
-      </p:nvGrpSpPr>
-      <p:grpSpPr>
-        <a:xfrm>
-          <a:off x="0" y="0"/>
-          <a:ext cx="0" cy="0"/>
-          <a:chOff x="0" y="0"/>
-          <a:chExt cx="0" cy="0"/>
-        </a:xfrm>
-      </p:grpSpPr>
-      <p:sp>
-        <p:nvSpPr>
-          <p:cNvPr id="2" name="Título 1"/>
-          <p:cNvSpPr>
-            <a:spLocks noGrp="1"/>
-          </p:cNvSpPr>
-          <p:nvPr>
-            <p:ph type="title"/>
-          </p:nvPr>
-        </p:nvSpPr>
-        <p:spPr>
-          <a:xfrm>
-            <a:off x="266700" y="-104775"/>
-            <a:ext cx="10515600" cy="1325563"/>
-          </a:xfrm>
-        </p:spPr>
-        <p:txBody>
-          <a:bodyPr>
-            <a:normAutofit/>
-          </a:bodyPr>
-          <a:lstStyle/>
-          <a:p>
-            <a:r>
-              <a:rPr lang="pt-BR" sz="2800" dirty="0"/>
               <a:t>Referências:</a:t>
             </a:r>
           </a:p>
@@ -4395,7 +4011,7 @@
 </p:sld>
 </file>
 
-<file path=ppt/slides/slide7.xml><?xml version="1.0" encoding="utf-8"?>
+<file path=ppt/slides/slide6.xml><?xml version="1.0" encoding="utf-8"?>
 <p:sld xmlns:a="http://schemas.openxmlformats.org/drawingml/2006/main" xmlns:r="http://schemas.openxmlformats.org/officeDocument/2006/relationships" xmlns:p="http://schemas.openxmlformats.org/presentationml/2006/main">
   <p:cSld>
     <p:spTree>
